--- a/Tests/Validation/STRUM/RowAlley.pptx
+++ b/Tests/Validation/STRUM/RowAlley.pptx
@@ -22947,10 +22947,10 @@
       </p:grpSpPr>
       <p:pic>
         <p:nvPicPr>
-          <p:cNvPr id="9" name="Picture 8">
+          <p:cNvPr id="11" name="Picture 10">
             <a:extLst>
               <a:ext uri="{FF2B5EF4-FFF2-40B4-BE49-F238E27FC236}">
-                <a16:creationId xmlns:a16="http://schemas.microsoft.com/office/drawing/2014/main" id="{9ACAA8F4-E1E8-AEBB-1FAC-F3207E7F878A}"/>
+                <a16:creationId xmlns:a16="http://schemas.microsoft.com/office/drawing/2014/main" id="{DE2866CF-0939-5353-274E-743ACEC25471}"/>
               </a:ext>
             </a:extLst>
           </p:cNvPr>
@@ -22967,8 +22967,8 @@
         </p:blipFill>
         <p:spPr>
           <a:xfrm>
-            <a:off x="1752600" y="328612"/>
-            <a:ext cx="8477250" cy="6357938"/>
+            <a:off x="2286000" y="571500"/>
+            <a:ext cx="7620000" cy="5715000"/>
           </a:xfrm>
           <a:prstGeom prst="rect">
             <a:avLst/>
